--- a/사업 문서/쇼핑호스트 판다 판매자 가이드북.pptx
+++ b/사업 문서/쇼핑호스트 판다 판매자 가이드북.pptx
@@ -119,6 +119,11 @@
       </a:defRPr>
     </a:lvl9pPr>
   </p:defaultTextStyle>
+  <p:extLst>
+    <p:ext uri="{EFAFB233-063F-42B5-8137-9DF3F51BA10A}">
+      <p15:sldGuideLst xmlns:p15="http://schemas.microsoft.com/office/powerpoint/2012/main"/>
+    </p:ext>
+  </p:extLst>
 </p:presentation>
 </file>
 
@@ -5993,7 +5998,7 @@
         <p:spPr>
           <a:xfrm>
             <a:off x="863714" y="1476462"/>
-            <a:ext cx="11057042" cy="2585323"/>
+            <a:ext cx="11057042" cy="3416320"/>
           </a:xfrm>
           <a:prstGeom prst="rect">
             <a:avLst/>
@@ -6070,13 +6075,86 @@
           </a:p>
           <a:p>
             <a:r>
-              <a:rPr lang="ko-KR" altLang="en-US" dirty="0"/>
-              <a:t>따라서 제품이 타사에도 업로드 될 경우 동일 가격정책을 준수 하셔야 합니다</a:t>
-            </a:r>
-            <a:r>
-              <a:rPr lang="en-US" altLang="ko-KR" dirty="0"/>
+              <a:rPr lang="ko-KR" altLang="en-US" b="0" dirty="0">
+                <a:effectLst/>
+                <a:latin typeface="Consolas" panose="020B0609020204030204" pitchFamily="49" charset="0"/>
+              </a:rPr>
+              <a:t>따라서 </a:t>
+            </a:r>
+            <a:r>
+              <a:rPr lang="ko-KR" altLang="en-US" b="0" dirty="0" err="1">
+                <a:effectLst/>
+                <a:latin typeface="Consolas" panose="020B0609020204030204" pitchFamily="49" charset="0"/>
+              </a:rPr>
+              <a:t>여러개의</a:t>
+            </a:r>
+            <a:r>
+              <a:rPr lang="ko-KR" altLang="en-US" b="0" dirty="0">
+                <a:effectLst/>
+                <a:latin typeface="Consolas" panose="020B0609020204030204" pitchFamily="49" charset="0"/>
+              </a:rPr>
+              <a:t> 판매채널을 가지고 있을 경우 </a:t>
+            </a:r>
+            <a:r>
+              <a:rPr lang="en-US" altLang="ko-KR" b="0" dirty="0">
+                <a:effectLst/>
+                <a:latin typeface="Consolas" panose="020B0609020204030204" pitchFamily="49" charset="0"/>
+              </a:rPr>
+              <a:t>(</a:t>
+            </a:r>
+            <a:r>
+              <a:rPr lang="ko-KR" altLang="en-US" b="0" dirty="0">
+                <a:effectLst/>
+                <a:latin typeface="Consolas" panose="020B0609020204030204" pitchFamily="49" charset="0"/>
+              </a:rPr>
+              <a:t>오프라인 제외</a:t>
+            </a:r>
+            <a:r>
+              <a:rPr lang="en-US" altLang="ko-KR" b="0" dirty="0">
+                <a:effectLst/>
+                <a:latin typeface="Consolas" panose="020B0609020204030204" pitchFamily="49" charset="0"/>
+              </a:rPr>
+              <a:t>) </a:t>
+            </a:r>
+            <a:r>
+              <a:rPr lang="ko-KR" altLang="en-US" b="0" dirty="0">
+                <a:effectLst/>
+                <a:latin typeface="Consolas" panose="020B0609020204030204" pitchFamily="49" charset="0"/>
+              </a:rPr>
+              <a:t>타 마켓 최저가 기준 동일한 가격을</a:t>
+            </a:r>
+            <a:endParaRPr lang="en-US" altLang="ko-KR" b="0" dirty="0">
+              <a:effectLst/>
+              <a:latin typeface="Consolas" panose="020B0609020204030204" pitchFamily="49" charset="0"/>
+            </a:endParaRPr>
+          </a:p>
+          <a:p>
+            <a:endParaRPr lang="en-US" altLang="ko-KR" dirty="0">
+              <a:latin typeface="Consolas" panose="020B0609020204030204" pitchFamily="49" charset="0"/>
+            </a:endParaRPr>
+          </a:p>
+          <a:p>
+            <a:r>
+              <a:rPr lang="ko-KR" altLang="en-US" b="0" dirty="0">
+                <a:effectLst/>
+                <a:latin typeface="Consolas" panose="020B0609020204030204" pitchFamily="49" charset="0"/>
+              </a:rPr>
+              <a:t> 책정해야 합니다</a:t>
+            </a:r>
+            <a:r>
+              <a:rPr lang="en-US" altLang="ko-KR" b="0" dirty="0">
+                <a:effectLst/>
+                <a:latin typeface="Consolas" panose="020B0609020204030204" pitchFamily="49" charset="0"/>
+              </a:rPr>
               <a:t>.</a:t>
             </a:r>
+            <a:endParaRPr lang="ko-KR" altLang="en-US" b="0" dirty="0">
+              <a:effectLst/>
+              <a:latin typeface="Consolas" panose="020B0609020204030204" pitchFamily="49" charset="0"/>
+            </a:endParaRPr>
+          </a:p>
+          <a:p>
+            <a:endParaRPr lang="en-US" altLang="ko-KR" dirty="0"/>
           </a:p>
           <a:p>
             <a:endParaRPr lang="en-US" altLang="ko-KR" dirty="0"/>
